--- a/Slides/u03_Ch11_matchedt.pptx
+++ b/Slides/u03_Ch11_matchedt.pptx
@@ -256,7 +256,7 @@
           <a:p>
             <a:fld id="{463B2355-98C8-451F-BE71-5FA915B2B77F}" type="datetimeFigureOut">
               <a:rPr lang="en-US" smtClean="0"/>
-              <a:t>3/1/18</a:t>
+              <a:t>10/18/20</a:t>
             </a:fld>
             <a:endParaRPr lang="en-US"/>
           </a:p>
@@ -846,7 +846,7 @@
           <a:p>
             <a:fld id="{630E0106-9AD1-4E3D-B500-C3916D11E1BC}" type="datetime1">
               <a:rPr lang="en-US" smtClean="0"/>
-              <a:t>3/1/18</a:t>
+              <a:t>10/18/20</a:t>
             </a:fld>
             <a:endParaRPr lang="en-US"/>
           </a:p>
@@ -1019,7 +1019,7 @@
           <a:p>
             <a:fld id="{F22CE2E1-C553-4B0F-8A31-62D88B5F747D}" type="datetime1">
               <a:rPr lang="en-US" smtClean="0"/>
-              <a:t>3/1/18</a:t>
+              <a:t>10/18/20</a:t>
             </a:fld>
             <a:endParaRPr lang="en-US"/>
           </a:p>
@@ -1202,7 +1202,7 @@
           <a:p>
             <a:fld id="{7887696A-7798-4554-A96F-D4679CD3C110}" type="datetime1">
               <a:rPr lang="en-US" smtClean="0"/>
-              <a:t>3/1/18</a:t>
+              <a:t>10/18/20</a:t>
             </a:fld>
             <a:endParaRPr lang="en-US"/>
           </a:p>
@@ -1375,7 +1375,7 @@
           <a:p>
             <a:fld id="{946B2DA1-650D-4ADB-BF37-19B8F79CA6D6}" type="datetime1">
               <a:rPr lang="en-US" smtClean="0"/>
-              <a:t>3/1/18</a:t>
+              <a:t>10/18/20</a:t>
             </a:fld>
             <a:endParaRPr lang="en-US"/>
           </a:p>
@@ -1638,7 +1638,7 @@
           <a:p>
             <a:fld id="{29EEA122-95D0-4EA9-BC39-F73E41E2AAA8}" type="datetime1">
               <a:rPr lang="en-US" smtClean="0"/>
-              <a:t>3/1/18</a:t>
+              <a:t>10/18/20</a:t>
             </a:fld>
             <a:endParaRPr lang="en-US"/>
           </a:p>
@@ -1873,7 +1873,7 @@
           <a:p>
             <a:fld id="{5B95023C-8796-437D-A70C-2AB33C36B3FE}" type="datetime1">
               <a:rPr lang="en-US" smtClean="0"/>
-              <a:t>3/1/18</a:t>
+              <a:t>10/18/20</a:t>
             </a:fld>
             <a:endParaRPr lang="en-US"/>
           </a:p>
@@ -2231,7 +2231,7 @@
           <a:p>
             <a:fld id="{199AC644-F9C0-45D2-891B-B313273D6543}" type="datetime1">
               <a:rPr lang="en-US" smtClean="0"/>
-              <a:t>3/1/18</a:t>
+              <a:t>10/18/20</a:t>
             </a:fld>
             <a:endParaRPr lang="en-US"/>
           </a:p>
@@ -2375,7 +2375,7 @@
           <a:p>
             <a:fld id="{A60FF2D5-B810-433B-B7F9-993FFA9546C4}" type="datetime1">
               <a:rPr lang="en-US" smtClean="0"/>
-              <a:t>3/1/18</a:t>
+              <a:t>10/18/20</a:t>
             </a:fld>
             <a:endParaRPr lang="en-US"/>
           </a:p>
@@ -2473,7 +2473,7 @@
           <a:p>
             <a:fld id="{BC778121-D940-47D6-99D1-C4EE9C468E0D}" type="datetime1">
               <a:rPr lang="en-US" smtClean="0"/>
-              <a:t>3/1/18</a:t>
+              <a:t>10/18/20</a:t>
             </a:fld>
             <a:endParaRPr lang="en-US"/>
           </a:p>
@@ -2833,7 +2833,7 @@
           <a:p>
             <a:fld id="{F1CCCC4B-796C-40B9-8707-1837208F24E3}" type="datetime1">
               <a:rPr lang="en-US" smtClean="0"/>
-              <a:t>3/1/18</a:t>
+              <a:t>10/18/20</a:t>
             </a:fld>
             <a:endParaRPr lang="en-US"/>
           </a:p>
@@ -3154,7 +3154,7 @@
           <a:p>
             <a:fld id="{45E13BAA-7B2A-479C-AFC5-A22B95A39079}" type="datetime1">
               <a:rPr lang="en-US" smtClean="0"/>
-              <a:t>3/1/18</a:t>
+              <a:t>10/18/20</a:t>
             </a:fld>
             <a:endParaRPr lang="en-US"/>
           </a:p>
@@ -3401,7 +3401,7 @@
           <a:p>
             <a:fld id="{9F12A1B5-5B29-46EF-AFED-92EF07374679}" type="datetime1">
               <a:rPr lang="en-US" smtClean="0"/>
-              <a:t>3/1/18</a:t>
+              <a:t>10/18/20</a:t>
             </a:fld>
             <a:endParaRPr lang="en-US"/>
           </a:p>
@@ -5338,7 +5338,7 @@
         </p:blipFill>
         <p:spPr>
           <a:xfrm>
-            <a:off x="8600929" y="2673350"/>
+            <a:off x="8561172" y="2188273"/>
             <a:ext cx="3342535" cy="1571579"/>
           </a:xfrm>
           <a:prstGeom prst="rect">
@@ -5364,7 +5364,7 @@
         <p:spPr>
           <a:xfrm>
             <a:off x="740808" y="2602381"/>
-            <a:ext cx="4733988" cy="3693319"/>
+            <a:ext cx="6801862" cy="2862322"/>
           </a:xfrm>
           <a:prstGeom prst="rect">
             <a:avLst/>
@@ -5463,43 +5463,19 @@
               <a:rPr lang="en-US" dirty="0">
                 <a:latin typeface="Monaco" pitchFamily="2" charset="77"/>
               </a:rPr>
-              <a:t>::gather(key = “group”, </a:t>
-            </a:r>
-          </a:p>
-          <a:p>
+              <a:t>::</a:t>
+            </a:r>
+            <a:r>
+              <a:rPr lang="en-US" dirty="0" err="1">
+                <a:latin typeface="Monaco" pitchFamily="2" charset="77"/>
+              </a:rPr>
+              <a:t>pivot_longer</a:t>
+            </a:r>
             <a:r>
               <a:rPr lang="en-US" dirty="0">
                 <a:latin typeface="Monaco" pitchFamily="2" charset="77"/>
               </a:rPr>
-              <a:t>                value = “value”,</a:t>
-            </a:r>
-          </a:p>
-          <a:p>
-            <a:r>
-              <a:rPr lang="en-US" dirty="0">
-                <a:latin typeface="Monaco" pitchFamily="2" charset="77"/>
-              </a:rPr>
-              <a:t>                group1, group2,</a:t>
-            </a:r>
-          </a:p>
-          <a:p>
-            <a:r>
-              <a:rPr lang="en-US" dirty="0">
-                <a:latin typeface="Monaco" pitchFamily="2" charset="77"/>
-              </a:rPr>
-              <a:t>                </a:t>
-            </a:r>
-            <a:r>
-              <a:rPr lang="en-US" dirty="0" err="1">
-                <a:latin typeface="Monaco" pitchFamily="2" charset="77"/>
-              </a:rPr>
-              <a:t>na.rm</a:t>
-            </a:r>
-            <a:r>
-              <a:rPr lang="en-US" dirty="0">
-                <a:latin typeface="Monaco" pitchFamily="2" charset="77"/>
-              </a:rPr>
-              <a:t> = TRUE) %&gt;%</a:t>
+              <a:t>(cols = group1:group2) %&gt;% </a:t>
             </a:r>
           </a:p>
           <a:p>
@@ -5597,8 +5573,8 @@
         </p:nvSpPr>
         <p:spPr>
           <a:xfrm>
-            <a:off x="5926810" y="4416537"/>
-            <a:ext cx="3506088" cy="369332"/>
+            <a:off x="7618594" y="3997005"/>
+            <a:ext cx="3482043" cy="369332"/>
           </a:xfrm>
           <a:prstGeom prst="rect">
             <a:avLst/>
@@ -5618,7 +5594,7 @@
                 </a:solidFill>
                 <a:latin typeface="PT Serif" panose="020A0603040505020204" pitchFamily="18" charset="77"/>
               </a:rPr>
-              <a:t>Reshape the data into wide form</a:t>
+              <a:t>Reshape the data into long form</a:t>
             </a:r>
           </a:p>
         </p:txBody>
@@ -5682,8 +5658,8 @@
         </p:nvSpPr>
         <p:spPr>
           <a:xfrm>
-            <a:off x="5712407" y="4046208"/>
-            <a:ext cx="214403" cy="1109991"/>
+            <a:off x="7332285" y="3997004"/>
+            <a:ext cx="210385" cy="369333"/>
           </a:xfrm>
           <a:prstGeom prst="rightBrace">
             <a:avLst/>
@@ -5831,7 +5807,7 @@
         </p:nvSpPr>
         <p:spPr>
           <a:xfrm>
-            <a:off x="5934847" y="5389277"/>
+            <a:off x="5917569" y="4591502"/>
             <a:ext cx="2341090" cy="369332"/>
           </a:xfrm>
           <a:prstGeom prst="rect">
@@ -5871,7 +5847,7 @@
         </p:nvSpPr>
         <p:spPr>
           <a:xfrm>
-            <a:off x="5712407" y="5156199"/>
+            <a:off x="5685904" y="4358424"/>
             <a:ext cx="214403" cy="835488"/>
           </a:xfrm>
           <a:prstGeom prst="rightBrace">
